--- a/Logic Apps.pptx
+++ b/Logic Apps.pptx
@@ -6,7 +6,7 @@
     <p:sldMasterId id="2147483660" r:id="rId2"/>
   </p:sldMasterIdLst>
   <p:notesMasterIdLst>
-    <p:notesMasterId r:id="rId9"/>
+    <p:notesMasterId r:id="rId12"/>
   </p:notesMasterIdLst>
   <p:sldIdLst>
     <p:sldId id="256" r:id="rId3"/>
@@ -15,6 +15,9 @@
     <p:sldId id="259" r:id="rId6"/>
     <p:sldId id="260" r:id="rId7"/>
     <p:sldId id="261" r:id="rId8"/>
+    <p:sldId id="262" r:id="rId9"/>
+    <p:sldId id="263" r:id="rId10"/>
+    <p:sldId id="264" r:id="rId11"/>
   </p:sldIdLst>
   <p:sldSz cx="12192000" cy="6858000"/>
   <p:notesSz cx="6858000" cy="9144000"/>
@@ -113,6 +116,11 @@
       </a:defRPr>
     </a:lvl9pPr>
   </p:defaultTextStyle>
+  <p:extLst>
+    <p:ext uri="{EFAFB233-063F-42B5-8137-9DF3F51BA10A}">
+      <p15:sldGuideLst xmlns:p15="http://schemas.microsoft.com/office/powerpoint/2012/main"/>
+    </p:ext>
+  </p:extLst>
 </p:presentation>
 </file>
 
@@ -198,7 +206,7 @@
           <a:p>
             <a:fld id="{4D1DF804-84B8-47BF-AD6A-2B2E6E0B15A1}" type="datetimeFigureOut">
               <a:rPr lang="en-US" smtClean="0"/>
-              <a:t>4/19/2017</a:t>
+              <a:t>4/20/2017</a:t>
             </a:fld>
             <a:endParaRPr lang="en-US"/>
           </a:p>
@@ -509,6 +517,109 @@
           <a:bodyPr/>
           <a:lstStyle/>
           <a:p>
+            <a:pPr marL="285750" marR="0" lvl="0" indent="-285750" algn="l" defTabSz="932688" rtl="0" eaLnBrk="1" fontAlgn="auto" latinLnBrk="0" hangingPunct="1">
+              <a:lnSpc>
+                <a:spcPct val="100000"/>
+              </a:lnSpc>
+              <a:spcBef>
+                <a:spcPts val="0"/>
+              </a:spcBef>
+              <a:spcAft>
+                <a:spcPts val="0"/>
+              </a:spcAft>
+              <a:buClrTx/>
+              <a:buSzTx/>
+              <a:buFont typeface="Arial" panose="020B0604020202020204" pitchFamily="34" charset="0"/>
+              <a:buChar char="•"/>
+              <a:tabLst/>
+              <a:defRPr/>
+            </a:pPr>
+            <a:r>
+              <a:rPr lang="en-US" sz="1200" kern="1200" dirty="0">
+                <a:solidFill>
+                  <a:schemeClr val="tx1"/>
+                </a:solidFill>
+                <a:effectLst/>
+                <a:latin typeface="+mn-lt"/>
+                <a:ea typeface="+mn-ea"/>
+                <a:cs typeface="+mn-cs"/>
+              </a:rPr>
+              <a:t>Azure App Service is an integrated service that enables you to create web and mobile apps for any platform or device, easily integrate with SaaS solutions (Office 365, Dynamics CRM, Salesforce, </a:t>
+            </a:r>
+            <a:r>
+              <a:rPr lang="en-US" sz="1200" kern="1200" dirty="0" err="1">
+                <a:solidFill>
+                  <a:schemeClr val="tx1"/>
+                </a:solidFill>
+                <a:effectLst/>
+                <a:latin typeface="+mn-lt"/>
+                <a:ea typeface="+mn-ea"/>
+                <a:cs typeface="+mn-cs"/>
+              </a:rPr>
+              <a:t>Twilio</a:t>
+            </a:r>
+            <a:r>
+              <a:rPr lang="en-US" sz="1200" kern="1200" dirty="0">
+                <a:solidFill>
+                  <a:schemeClr val="tx1"/>
+                </a:solidFill>
+                <a:effectLst/>
+                <a:latin typeface="+mn-lt"/>
+                <a:ea typeface="+mn-ea"/>
+                <a:cs typeface="+mn-cs"/>
+              </a:rPr>
+              <a:t>, </a:t>
+            </a:r>
+            <a:r>
+              <a:rPr lang="en-US" sz="1200" kern="1200" dirty="0" err="1">
+                <a:solidFill>
+                  <a:schemeClr val="tx1"/>
+                </a:solidFill>
+                <a:effectLst/>
+                <a:latin typeface="+mn-lt"/>
+                <a:ea typeface="+mn-ea"/>
+                <a:cs typeface="+mn-cs"/>
+              </a:rPr>
+              <a:t>etc</a:t>
+            </a:r>
+            <a:r>
+              <a:rPr lang="en-US" sz="1200" kern="1200" dirty="0">
+                <a:solidFill>
+                  <a:schemeClr val="tx1"/>
+                </a:solidFill>
+                <a:effectLst/>
+                <a:latin typeface="+mn-lt"/>
+                <a:ea typeface="+mn-ea"/>
+                <a:cs typeface="+mn-cs"/>
+              </a:rPr>
+              <a:t>), easily connect with on-premises applications (SAP, Oracle, Siebel, </a:t>
+            </a:r>
+            <a:r>
+              <a:rPr lang="en-US" sz="1200" kern="1200" dirty="0" err="1">
+                <a:solidFill>
+                  <a:schemeClr val="tx1"/>
+                </a:solidFill>
+                <a:effectLst/>
+                <a:latin typeface="+mn-lt"/>
+                <a:ea typeface="+mn-ea"/>
+                <a:cs typeface="+mn-cs"/>
+              </a:rPr>
+              <a:t>etc</a:t>
+            </a:r>
+            <a:r>
+              <a:rPr lang="en-US" sz="1200" kern="1200" dirty="0">
+                <a:solidFill>
+                  <a:schemeClr val="tx1"/>
+                </a:solidFill>
+                <a:effectLst/>
+                <a:latin typeface="+mn-lt"/>
+                <a:ea typeface="+mn-ea"/>
+                <a:cs typeface="+mn-cs"/>
+              </a:rPr>
+              <a:t>), and easily automate businesses processes while meeting stringent security, reliability, and scalability needs.</a:t>
+            </a:r>
+          </a:p>
+          <a:p>
             <a:pPr marL="285750" marR="0" indent="-285750" algn="l" defTabSz="932688" rtl="0" eaLnBrk="1" fontAlgn="auto" latinLnBrk="0" hangingPunct="1">
               <a:lnSpc>
                 <a:spcPct val="100000"/>
@@ -670,7 +781,86 @@
           <a:bodyPr/>
           <a:lstStyle/>
           <a:p>
-            <a:endParaRPr lang="en-US"/>
+            <a:pPr marL="0" marR="0" lvl="0" indent="0" algn="l" defTabSz="914400" rtl="0" eaLnBrk="1" fontAlgn="auto" latinLnBrk="0" hangingPunct="1">
+              <a:lnSpc>
+                <a:spcPct val="100000"/>
+              </a:lnSpc>
+              <a:spcBef>
+                <a:spcPts val="0"/>
+              </a:spcBef>
+              <a:spcAft>
+                <a:spcPts val="0"/>
+              </a:spcAft>
+              <a:buClrTx/>
+              <a:buSzTx/>
+              <a:buFontTx/>
+              <a:buNone/>
+              <a:tabLst/>
+              <a:defRPr/>
+            </a:pPr>
+            <a:r>
+              <a:rPr lang="en-US" sz="1200" kern="1200" dirty="0">
+                <a:solidFill>
+                  <a:schemeClr val="tx1"/>
+                </a:solidFill>
+                <a:effectLst/>
+                <a:latin typeface="+mn-lt"/>
+                <a:ea typeface="+mn-ea"/>
+                <a:cs typeface="+mn-cs"/>
+              </a:rPr>
+              <a:t>Logic Apps are part of Azure App Service. They allow users or developers to automate business process execution and workflow via an easy to use visual designer. For more control a developer may use the Logic App Workflow Definition Language to modify the runtime. Logic Apps are wired to easily consume API apps such as </a:t>
+            </a:r>
+            <a:r>
+              <a:rPr lang="en-US" sz="1200" kern="1200" dirty="0" err="1">
+                <a:solidFill>
+                  <a:schemeClr val="tx1"/>
+                </a:solidFill>
+                <a:effectLst/>
+                <a:latin typeface="+mn-lt"/>
+                <a:ea typeface="+mn-ea"/>
+                <a:cs typeface="+mn-cs"/>
+              </a:rPr>
+              <a:t>DropBox</a:t>
+            </a:r>
+            <a:r>
+              <a:rPr lang="en-US" sz="1200" kern="1200" dirty="0">
+                <a:solidFill>
+                  <a:schemeClr val="tx1"/>
+                </a:solidFill>
+                <a:effectLst/>
+                <a:latin typeface="+mn-lt"/>
+                <a:ea typeface="+mn-ea"/>
+                <a:cs typeface="+mn-cs"/>
+              </a:rPr>
+              <a:t>, </a:t>
+            </a:r>
+            <a:r>
+              <a:rPr lang="en-US" sz="1200" kern="1200" dirty="0" err="1">
+                <a:solidFill>
+                  <a:schemeClr val="tx1"/>
+                </a:solidFill>
+                <a:effectLst/>
+                <a:latin typeface="+mn-lt"/>
+                <a:ea typeface="+mn-ea"/>
+                <a:cs typeface="+mn-cs"/>
+              </a:rPr>
+              <a:t>SendGrid</a:t>
+            </a:r>
+            <a:r>
+              <a:rPr lang="en-US" sz="1200" kern="1200" dirty="0">
+                <a:solidFill>
+                  <a:schemeClr val="tx1"/>
+                </a:solidFill>
+                <a:effectLst/>
+                <a:latin typeface="+mn-lt"/>
+                <a:ea typeface="+mn-ea"/>
+                <a:cs typeface="+mn-cs"/>
+              </a:rPr>
+              <a:t> and more. Invoking a Logic App may be done programmatically, via triggers, or on a recurring basis.</a:t>
+            </a:r>
+          </a:p>
+          <a:p>
+            <a:endParaRPr lang="en-US" dirty="0"/>
           </a:p>
         </p:txBody>
       </p:sp>
@@ -886,7 +1076,7 @@
                 <a:tabLst/>
                 <a:defRPr/>
               </a:pPr>
-              <a:t>4/19/2017 9:06 PM</a:t>
+              <a:t>4/20/2017 8:33 PM</a:t>
             </a:fld>
             <a:endParaRPr kumimoji="0" lang="en-US" sz="1200" b="0" i="0" u="none" strike="noStrike" kern="1200" cap="none" spc="0" normalizeH="0" baseline="0" noProof="0" dirty="0">
               <a:ln>
@@ -1437,6 +1627,150 @@
 </p:notes>
 </file>
 
+<file path=ppt/notesSlides/notesSlide6.xml><?xml version="1.0" encoding="utf-8"?>
+<p:notes xmlns:a="http://schemas.openxmlformats.org/drawingml/2006/main" xmlns:r="http://schemas.openxmlformats.org/officeDocument/2006/relationships" xmlns:p="http://schemas.openxmlformats.org/presentationml/2006/main">
+  <p:cSld>
+    <p:spTree>
+      <p:nvGrpSpPr>
+        <p:cNvPr id="1" name=""/>
+        <p:cNvGrpSpPr/>
+        <p:nvPr/>
+      </p:nvGrpSpPr>
+      <p:grpSpPr>
+        <a:xfrm>
+          <a:off x="0" y="0"/>
+          <a:ext cx="0" cy="0"/>
+          <a:chOff x="0" y="0"/>
+          <a:chExt cx="0" cy="0"/>
+        </a:xfrm>
+      </p:grpSpPr>
+      <p:sp>
+        <p:nvSpPr>
+          <p:cNvPr id="2" name="Slide Image Placeholder 1"/>
+          <p:cNvSpPr>
+            <a:spLocks noGrp="1" noRot="1" noChangeAspect="1"/>
+          </p:cNvSpPr>
+          <p:nvPr>
+            <p:ph type="sldImg"/>
+          </p:nvPr>
+        </p:nvSpPr>
+        <p:spPr/>
+      </p:sp>
+      <p:sp>
+        <p:nvSpPr>
+          <p:cNvPr id="3" name="Notes Placeholder 2"/>
+          <p:cNvSpPr>
+            <a:spLocks noGrp="1"/>
+          </p:cNvSpPr>
+          <p:nvPr>
+            <p:ph type="body" idx="1"/>
+          </p:nvPr>
+        </p:nvSpPr>
+        <p:spPr/>
+        <p:txBody>
+          <a:bodyPr/>
+          <a:lstStyle/>
+          <a:p>
+            <a:endParaRPr lang="en-US" dirty="0"/>
+          </a:p>
+        </p:txBody>
+      </p:sp>
+      <p:sp>
+        <p:nvSpPr>
+          <p:cNvPr id="4" name="Slide Number Placeholder 3"/>
+          <p:cNvSpPr>
+            <a:spLocks noGrp="1"/>
+          </p:cNvSpPr>
+          <p:nvPr>
+            <p:ph type="sldNum" sz="quarter" idx="10"/>
+          </p:nvPr>
+        </p:nvSpPr>
+        <p:spPr/>
+        <p:txBody>
+          <a:bodyPr/>
+          <a:lstStyle/>
+          <a:p>
+            <a:pPr marL="0" marR="0" lvl="0" indent="0" algn="r" defTabSz="932742" rtl="0" eaLnBrk="1" fontAlgn="auto" latinLnBrk="0" hangingPunct="1">
+              <a:lnSpc>
+                <a:spcPct val="100000"/>
+              </a:lnSpc>
+              <a:spcBef>
+                <a:spcPts val="0"/>
+              </a:spcBef>
+              <a:spcAft>
+                <a:spcPts val="0"/>
+              </a:spcAft>
+              <a:buClrTx/>
+              <a:buSzTx/>
+              <a:buFontTx/>
+              <a:buNone/>
+              <a:tabLst/>
+              <a:defRPr/>
+            </a:pPr>
+            <a:fld id="{10E44CC6-8711-4A41-9BDA-EE169FB30B00}" type="slidenum">
+              <a:rPr kumimoji="0" lang="en-US" sz="1200" b="0" i="0" u="none" strike="noStrike" kern="1200" cap="none" spc="0" normalizeH="0" baseline="0" noProof="0" smtClean="0">
+                <a:ln>
+                  <a:noFill/>
+                </a:ln>
+                <a:solidFill>
+                  <a:prstClr val="black"/>
+                </a:solidFill>
+                <a:effectLst/>
+                <a:uLnTx/>
+                <a:uFillTx/>
+                <a:latin typeface="Segoe UI" pitchFamily="34" charset="0"/>
+                <a:ea typeface="+mn-ea"/>
+                <a:cs typeface="+mn-cs"/>
+              </a:rPr>
+              <a:pPr marL="0" marR="0" lvl="0" indent="0" algn="r" defTabSz="932742" rtl="0" eaLnBrk="1" fontAlgn="auto" latinLnBrk="0" hangingPunct="1">
+                <a:lnSpc>
+                  <a:spcPct val="100000"/>
+                </a:lnSpc>
+                <a:spcBef>
+                  <a:spcPts val="0"/>
+                </a:spcBef>
+                <a:spcAft>
+                  <a:spcPts val="0"/>
+                </a:spcAft>
+                <a:buClrTx/>
+                <a:buSzTx/>
+                <a:buFontTx/>
+                <a:buNone/>
+                <a:tabLst/>
+                <a:defRPr/>
+              </a:pPr>
+              <a:t>7</a:t>
+            </a:fld>
+            <a:endParaRPr kumimoji="0" lang="en-US" sz="1200" b="0" i="0" u="none" strike="noStrike" kern="1200" cap="none" spc="0" normalizeH="0" baseline="0" noProof="0">
+              <a:ln>
+                <a:noFill/>
+              </a:ln>
+              <a:solidFill>
+                <a:prstClr val="black"/>
+              </a:solidFill>
+              <a:effectLst/>
+              <a:uLnTx/>
+              <a:uFillTx/>
+              <a:latin typeface="Segoe UI" pitchFamily="34" charset="0"/>
+              <a:ea typeface="+mn-ea"/>
+              <a:cs typeface="+mn-cs"/>
+            </a:endParaRPr>
+          </a:p>
+        </p:txBody>
+      </p:sp>
+    </p:spTree>
+    <p:extLst>
+      <p:ext uri="{BB962C8B-B14F-4D97-AF65-F5344CB8AC3E}">
+        <p14:creationId xmlns:p14="http://schemas.microsoft.com/office/powerpoint/2010/main" val="3888260487"/>
+      </p:ext>
+    </p:extLst>
+  </p:cSld>
+  <p:clrMapOvr>
+    <a:masterClrMapping/>
+  </p:clrMapOvr>
+</p:notes>
+</file>
+
 <file path=ppt/slideLayouts/slideLayout1.xml><?xml version="1.0" encoding="utf-8"?>
 <p:sldLayout xmlns:a="http://schemas.openxmlformats.org/drawingml/2006/main" xmlns:r="http://schemas.openxmlformats.org/officeDocument/2006/relationships" xmlns:p="http://schemas.openxmlformats.org/presentationml/2006/main" type="title" preserve="1">
   <p:cSld name="Title Slide">
@@ -1566,7 +1900,7 @@
           <a:p>
             <a:fld id="{7A7DB218-54EA-4DB9-B47C-F7EDAE8D6F48}" type="datetimeFigureOut">
               <a:rPr lang="en-US" smtClean="0"/>
-              <a:t>4/19/2017</a:t>
+              <a:t>4/20/2017</a:t>
             </a:fld>
             <a:endParaRPr lang="en-US"/>
           </a:p>
@@ -1734,7 +2068,7 @@
           <a:p>
             <a:fld id="{7A7DB218-54EA-4DB9-B47C-F7EDAE8D6F48}" type="datetimeFigureOut">
               <a:rPr lang="en-US" smtClean="0"/>
-              <a:t>4/19/2017</a:t>
+              <a:t>4/20/2017</a:t>
             </a:fld>
             <a:endParaRPr lang="en-US"/>
           </a:p>
@@ -1912,7 +2246,7 @@
           <a:p>
             <a:fld id="{7A7DB218-54EA-4DB9-B47C-F7EDAE8D6F48}" type="datetimeFigureOut">
               <a:rPr lang="en-US" smtClean="0"/>
-              <a:t>4/19/2017</a:t>
+              <a:t>4/20/2017</a:t>
             </a:fld>
             <a:endParaRPr lang="en-US"/>
           </a:p>
@@ -3867,7 +4201,7 @@
           <a:p>
             <a:fld id="{7A7DB218-54EA-4DB9-B47C-F7EDAE8D6F48}" type="datetimeFigureOut">
               <a:rPr lang="en-US" smtClean="0"/>
-              <a:t>4/19/2017</a:t>
+              <a:t>4/20/2017</a:t>
             </a:fld>
             <a:endParaRPr lang="en-US"/>
           </a:p>
@@ -5655,7 +5989,7 @@
           <a:p>
             <a:fld id="{7A7DB218-54EA-4DB9-B47C-F7EDAE8D6F48}" type="datetimeFigureOut">
               <a:rPr lang="en-US" smtClean="0"/>
-              <a:t>4/19/2017</a:t>
+              <a:t>4/20/2017</a:t>
             </a:fld>
             <a:endParaRPr lang="en-US"/>
           </a:p>
@@ -7698,7 +8032,7 @@
           <a:p>
             <a:fld id="{7A7DB218-54EA-4DB9-B47C-F7EDAE8D6F48}" type="datetimeFigureOut">
               <a:rPr lang="en-US" smtClean="0"/>
-              <a:t>4/19/2017</a:t>
+              <a:t>4/20/2017</a:t>
             </a:fld>
             <a:endParaRPr lang="en-US"/>
           </a:p>
@@ -8009,7 +8343,7 @@
             <a:fld id="{683C0046-3368-4DD4-96D6-CD0FF2C1233E}" type="datetimeFigureOut">
               <a:rPr lang="en-IN" smtClean="0"/>
               <a:pPr/>
-              <a:t>19-04-2017</a:t>
+              <a:t>20-04-2017</a:t>
             </a:fld>
             <a:endParaRPr lang="en-IN" dirty="0"/>
           </a:p>
@@ -8497,7 +8831,7 @@
                 </a:solidFill>
               </a:rPr>
               <a:pPr/>
-              <a:t>19-04-2017</a:t>
+              <a:t>20-04-2017</a:t>
             </a:fld>
             <a:endParaRPr lang="en-IN" dirty="0">
               <a:solidFill>
@@ -8831,7 +9165,7 @@
                 </a:solidFill>
               </a:rPr>
               <a:pPr/>
-              <a:t>4/19/2017</a:t>
+              <a:t>4/20/2017</a:t>
             </a:fld>
             <a:endParaRPr lang="en-US" dirty="0">
               <a:solidFill>
@@ -9249,7 +9583,7 @@
           <a:p>
             <a:fld id="{7A7DB218-54EA-4DB9-B47C-F7EDAE8D6F48}" type="datetimeFigureOut">
               <a:rPr lang="en-US" smtClean="0"/>
-              <a:t>4/19/2017</a:t>
+              <a:t>4/20/2017</a:t>
             </a:fld>
             <a:endParaRPr lang="en-US"/>
           </a:p>
@@ -9366,7 +9700,7 @@
           <a:p>
             <a:fld id="{7A7DB218-54EA-4DB9-B47C-F7EDAE8D6F48}" type="datetimeFigureOut">
               <a:rPr lang="en-US" smtClean="0"/>
-              <a:t>4/19/2017</a:t>
+              <a:t>4/20/2017</a:t>
             </a:fld>
             <a:endParaRPr lang="en-US"/>
           </a:p>
@@ -9461,7 +9795,7 @@
           <a:p>
             <a:fld id="{7A7DB218-54EA-4DB9-B47C-F7EDAE8D6F48}" type="datetimeFigureOut">
               <a:rPr lang="en-US" smtClean="0"/>
-              <a:t>4/19/2017</a:t>
+              <a:t>4/20/2017</a:t>
             </a:fld>
             <a:endParaRPr lang="en-US"/>
           </a:p>
@@ -9736,7 +10070,7 @@
           <a:p>
             <a:fld id="{7A7DB218-54EA-4DB9-B47C-F7EDAE8D6F48}" type="datetimeFigureOut">
               <a:rPr lang="en-US" smtClean="0"/>
-              <a:t>4/19/2017</a:t>
+              <a:t>4/20/2017</a:t>
             </a:fld>
             <a:endParaRPr lang="en-US"/>
           </a:p>
@@ -9988,7 +10322,7 @@
           <a:p>
             <a:fld id="{7A7DB218-54EA-4DB9-B47C-F7EDAE8D6F48}" type="datetimeFigureOut">
               <a:rPr lang="en-US" smtClean="0"/>
-              <a:t>4/19/2017</a:t>
+              <a:t>4/20/2017</a:t>
             </a:fld>
             <a:endParaRPr lang="en-US"/>
           </a:p>
@@ -10199,7 +10533,7 @@
           <a:p>
             <a:fld id="{7A7DB218-54EA-4DB9-B47C-F7EDAE8D6F48}" type="datetimeFigureOut">
               <a:rPr lang="en-US" smtClean="0"/>
-              <a:t>4/19/2017</a:t>
+              <a:t>4/20/2017</a:t>
             </a:fld>
             <a:endParaRPr lang="en-US"/>
           </a:p>
@@ -14758,6 +15092,309 @@
   </p:clrMapOvr>
   <p:transition spd="med">
     <p:pull/>
+  </p:transition>
+</p:sld>
+</file>
+
+<file path=ppt/slides/slide7.xml><?xml version="1.0" encoding="utf-8"?>
+<p:sld xmlns:a="http://schemas.openxmlformats.org/drawingml/2006/main" xmlns:r="http://schemas.openxmlformats.org/officeDocument/2006/relationships" xmlns:p="http://schemas.openxmlformats.org/presentationml/2006/main">
+  <p:cSld>
+    <p:spTree>
+      <p:nvGrpSpPr>
+        <p:cNvPr id="1" name=""/>
+        <p:cNvGrpSpPr/>
+        <p:nvPr/>
+      </p:nvGrpSpPr>
+      <p:grpSpPr>
+        <a:xfrm>
+          <a:off x="0" y="0"/>
+          <a:ext cx="0" cy="0"/>
+          <a:chOff x="0" y="0"/>
+          <a:chExt cx="0" cy="0"/>
+        </a:xfrm>
+      </p:grpSpPr>
+      <p:sp>
+        <p:nvSpPr>
+          <p:cNvPr id="2" name="Title 1"/>
+          <p:cNvSpPr>
+            <a:spLocks noGrp="1"/>
+          </p:cNvSpPr>
+          <p:nvPr>
+            <p:ph type="ctrTitle"/>
+          </p:nvPr>
+        </p:nvSpPr>
+        <p:spPr/>
+        <p:txBody>
+          <a:bodyPr/>
+          <a:lstStyle/>
+          <a:p>
+            <a:r>
+              <a:rPr lang="en-US" dirty="0"/>
+              <a:t>Demo</a:t>
+            </a:r>
+          </a:p>
+        </p:txBody>
+      </p:sp>
+      <p:sp>
+        <p:nvSpPr>
+          <p:cNvPr id="3" name="Content Placeholder 2"/>
+          <p:cNvSpPr>
+            <a:spLocks noGrp="1"/>
+          </p:cNvSpPr>
+          <p:nvPr>
+            <p:ph type="subTitle" idx="1"/>
+          </p:nvPr>
+        </p:nvSpPr>
+        <p:spPr/>
+        <p:txBody>
+          <a:bodyPr>
+            <a:normAutofit/>
+          </a:bodyPr>
+          <a:lstStyle/>
+          <a:p>
+            <a:pPr marL="457200" indent="-457200">
+              <a:buFont typeface="Arial" panose="020B0604020202020204" pitchFamily="34" charset="0"/>
+              <a:buChar char="•"/>
+            </a:pPr>
+            <a:r>
+              <a:rPr lang="en-US" dirty="0">
+                <a:solidFill>
+                  <a:schemeClr val="tx1"/>
+                </a:solidFill>
+              </a:rPr>
+              <a:t>Email me if my website is down</a:t>
+            </a:r>
+          </a:p>
+          <a:p>
+            <a:pPr marL="457200" indent="-457200">
+              <a:buFont typeface="Arial" panose="020B0604020202020204" pitchFamily="34" charset="0"/>
+              <a:buChar char="•"/>
+            </a:pPr>
+            <a:endParaRPr lang="en-US" dirty="0">
+              <a:solidFill>
+                <a:schemeClr val="tx1"/>
+              </a:solidFill>
+            </a:endParaRPr>
+          </a:p>
+        </p:txBody>
+      </p:sp>
+    </p:spTree>
+    <p:extLst>
+      <p:ext uri="{BB962C8B-B14F-4D97-AF65-F5344CB8AC3E}">
+        <p14:creationId xmlns:p14="http://schemas.microsoft.com/office/powerpoint/2010/main" val="2143294039"/>
+      </p:ext>
+    </p:extLst>
+  </p:cSld>
+  <p:clrMapOvr>
+    <a:masterClrMapping/>
+  </p:clrMapOvr>
+</p:sld>
+</file>
+
+<file path=ppt/slides/slide8.xml><?xml version="1.0" encoding="utf-8"?>
+<p:sld xmlns:a="http://schemas.openxmlformats.org/drawingml/2006/main" xmlns:r="http://schemas.openxmlformats.org/officeDocument/2006/relationships" xmlns:p="http://schemas.openxmlformats.org/presentationml/2006/main">
+  <p:cSld>
+    <p:spTree>
+      <p:nvGrpSpPr>
+        <p:cNvPr id="1" name=""/>
+        <p:cNvGrpSpPr/>
+        <p:nvPr/>
+      </p:nvGrpSpPr>
+      <p:grpSpPr>
+        <a:xfrm>
+          <a:off x="0" y="0"/>
+          <a:ext cx="0" cy="0"/>
+          <a:chOff x="0" y="0"/>
+          <a:chExt cx="0" cy="0"/>
+        </a:xfrm>
+      </p:grpSpPr>
+      <p:pic>
+        <p:nvPicPr>
+          <p:cNvPr id="3" name="Picture 2"/>
+          <p:cNvPicPr>
+            <a:picLocks noChangeAspect="1"/>
+          </p:cNvPicPr>
+          <p:nvPr/>
+        </p:nvPicPr>
+        <p:blipFill>
+          <a:blip r:embed="rId2"/>
+          <a:stretch>
+            <a:fillRect/>
+          </a:stretch>
+        </p:blipFill>
+        <p:spPr>
+          <a:xfrm>
+            <a:off x="717451" y="2159065"/>
+            <a:ext cx="2679937" cy="2633248"/>
+          </a:xfrm>
+          <a:prstGeom prst="rect">
+            <a:avLst/>
+          </a:prstGeom>
+        </p:spPr>
+      </p:pic>
+      <p:sp>
+        <p:nvSpPr>
+          <p:cNvPr id="4" name="TextBox 3"/>
+          <p:cNvSpPr txBox="1"/>
+          <p:nvPr/>
+        </p:nvSpPr>
+        <p:spPr>
+          <a:xfrm>
+            <a:off x="3430069" y="1948953"/>
+            <a:ext cx="8291930" cy="3131782"/>
+          </a:xfrm>
+          <a:prstGeom prst="rect">
+            <a:avLst/>
+          </a:prstGeom>
+          <a:noFill/>
+        </p:spPr>
+        <p:txBody>
+          <a:bodyPr wrap="square" lIns="179285" tIns="143428" rIns="179285" bIns="143428" rtlCol="0">
+            <a:spAutoFit/>
+          </a:bodyPr>
+          <a:lstStyle/>
+          <a:p>
+            <a:pPr algn="ctr" defTabSz="914367">
+              <a:lnSpc>
+                <a:spcPct val="90000"/>
+              </a:lnSpc>
+              <a:spcAft>
+                <a:spcPts val="588"/>
+              </a:spcAft>
+            </a:pPr>
+            <a:r>
+              <a:rPr lang="en-US" sz="6470" dirty="0">
+                <a:gradFill>
+                  <a:gsLst>
+                    <a:gs pos="2917">
+                      <a:srgbClr val="FFFFFF"/>
+                    </a:gs>
+                    <a:gs pos="30000">
+                      <a:srgbClr val="FFFFFF"/>
+                    </a:gs>
+                  </a:gsLst>
+                  <a:lin ang="5400000" scaled="0"/>
+                </a:gradFill>
+                <a:latin typeface="Segoe UI Light"/>
+              </a:rPr>
+              <a:t>Questions </a:t>
+            </a:r>
+          </a:p>
+          <a:p>
+            <a:pPr algn="ctr" defTabSz="914367">
+              <a:lnSpc>
+                <a:spcPct val="90000"/>
+              </a:lnSpc>
+              <a:spcAft>
+                <a:spcPts val="588"/>
+              </a:spcAft>
+            </a:pPr>
+            <a:r>
+              <a:rPr lang="en-US" sz="6470" dirty="0">
+                <a:gradFill>
+                  <a:gsLst>
+                    <a:gs pos="2917">
+                      <a:srgbClr val="FFFFFF"/>
+                    </a:gs>
+                    <a:gs pos="30000">
+                      <a:srgbClr val="FFFFFF"/>
+                    </a:gs>
+                  </a:gsLst>
+                  <a:lin ang="5400000" scaled="0"/>
+                </a:gradFill>
+                <a:latin typeface="Segoe UI Light"/>
+              </a:rPr>
+              <a:t>and </a:t>
+            </a:r>
+          </a:p>
+          <a:p>
+            <a:pPr algn="ctr" defTabSz="914367">
+              <a:lnSpc>
+                <a:spcPct val="90000"/>
+              </a:lnSpc>
+              <a:spcAft>
+                <a:spcPts val="588"/>
+              </a:spcAft>
+            </a:pPr>
+            <a:r>
+              <a:rPr lang="en-US" sz="6470" dirty="0">
+                <a:gradFill>
+                  <a:gsLst>
+                    <a:gs pos="2917">
+                      <a:srgbClr val="FFFFFF"/>
+                    </a:gs>
+                    <a:gs pos="30000">
+                      <a:srgbClr val="FFFFFF"/>
+                    </a:gs>
+                  </a:gsLst>
+                  <a:lin ang="5400000" scaled="0"/>
+                </a:gradFill>
+                <a:latin typeface="Segoe UI Light"/>
+              </a:rPr>
+              <a:t>Answers</a:t>
+            </a:r>
+          </a:p>
+        </p:txBody>
+      </p:sp>
+    </p:spTree>
+    <p:extLst>
+      <p:ext uri="{BB962C8B-B14F-4D97-AF65-F5344CB8AC3E}">
+        <p14:creationId xmlns:p14="http://schemas.microsoft.com/office/powerpoint/2010/main" val="3982474841"/>
+      </p:ext>
+    </p:extLst>
+  </p:cSld>
+  <p:clrMapOvr>
+    <a:masterClrMapping/>
+  </p:clrMapOvr>
+  <p:transition>
+    <p:fade/>
+  </p:transition>
+</p:sld>
+</file>
+
+<file path=ppt/slides/slide9.xml><?xml version="1.0" encoding="utf-8"?>
+<p:sld xmlns:a="http://schemas.openxmlformats.org/drawingml/2006/main" xmlns:r="http://schemas.openxmlformats.org/officeDocument/2006/relationships" xmlns:p="http://schemas.openxmlformats.org/presentationml/2006/main">
+  <p:cSld>
+    <p:bg>
+      <p:bgPr>
+        <a:blipFill dpi="0" rotWithShape="1">
+          <a:blip r:embed="rId2">
+            <a:lum/>
+          </a:blip>
+          <a:srcRect/>
+          <a:stretch>
+            <a:fillRect/>
+          </a:stretch>
+        </a:blipFill>
+        <a:effectLst/>
+      </p:bgPr>
+    </p:bg>
+    <p:spTree>
+      <p:nvGrpSpPr>
+        <p:cNvPr id="1" name=""/>
+        <p:cNvGrpSpPr/>
+        <p:nvPr/>
+      </p:nvGrpSpPr>
+      <p:grpSpPr>
+        <a:xfrm>
+          <a:off x="0" y="0"/>
+          <a:ext cx="0" cy="0"/>
+          <a:chOff x="0" y="0"/>
+          <a:chExt cx="0" cy="0"/>
+        </a:xfrm>
+      </p:grpSpPr>
+    </p:spTree>
+    <p:extLst>
+      <p:ext uri="{BB962C8B-B14F-4D97-AF65-F5344CB8AC3E}">
+        <p14:creationId xmlns:p14="http://schemas.microsoft.com/office/powerpoint/2010/main" val="488185768"/>
+      </p:ext>
+    </p:extLst>
+  </p:cSld>
+  <p:clrMapOvr>
+    <a:masterClrMapping/>
+  </p:clrMapOvr>
+  <p:transition>
+    <p:fade/>
   </p:transition>
 </p:sld>
 </file>

--- a/Logic Apps.pptx
+++ b/Logic Apps.pptx
@@ -6,7 +6,7 @@
     <p:sldMasterId id="2147483660" r:id="rId2"/>
   </p:sldMasterIdLst>
   <p:notesMasterIdLst>
-    <p:notesMasterId r:id="rId12"/>
+    <p:notesMasterId r:id="rId13"/>
   </p:notesMasterIdLst>
   <p:sldIdLst>
     <p:sldId id="256" r:id="rId3"/>
@@ -16,8 +16,9 @@
     <p:sldId id="260" r:id="rId7"/>
     <p:sldId id="261" r:id="rId8"/>
     <p:sldId id="262" r:id="rId9"/>
-    <p:sldId id="263" r:id="rId10"/>
-    <p:sldId id="264" r:id="rId11"/>
+    <p:sldId id="265" r:id="rId10"/>
+    <p:sldId id="263" r:id="rId11"/>
+    <p:sldId id="264" r:id="rId12"/>
   </p:sldIdLst>
   <p:sldSz cx="12192000" cy="6858000"/>
   <p:notesSz cx="6858000" cy="9144000"/>
@@ -206,7 +207,7 @@
           <a:p>
             <a:fld id="{4D1DF804-84B8-47BF-AD6A-2B2E6E0B15A1}" type="datetimeFigureOut">
               <a:rPr lang="en-US" smtClean="0"/>
-              <a:t>4/20/2017</a:t>
+              <a:t>4/21/2017</a:t>
             </a:fld>
             <a:endParaRPr lang="en-US"/>
           </a:p>
@@ -1076,7 +1077,7 @@
                 <a:tabLst/>
                 <a:defRPr/>
               </a:pPr>
-              <a:t>4/20/2017 8:33 PM</a:t>
+              <a:t>4/21/2017 8:58 PM</a:t>
             </a:fld>
             <a:endParaRPr kumimoji="0" lang="en-US" sz="1200" b="0" i="0" u="none" strike="noStrike" kern="1200" cap="none" spc="0" normalizeH="0" baseline="0" noProof="0" dirty="0">
               <a:ln>
@@ -1771,6 +1772,150 @@
 </p:notes>
 </file>
 
+<file path=ppt/notesSlides/notesSlide7.xml><?xml version="1.0" encoding="utf-8"?>
+<p:notes xmlns:a="http://schemas.openxmlformats.org/drawingml/2006/main" xmlns:r="http://schemas.openxmlformats.org/officeDocument/2006/relationships" xmlns:p="http://schemas.openxmlformats.org/presentationml/2006/main">
+  <p:cSld>
+    <p:spTree>
+      <p:nvGrpSpPr>
+        <p:cNvPr id="1" name=""/>
+        <p:cNvGrpSpPr/>
+        <p:nvPr/>
+      </p:nvGrpSpPr>
+      <p:grpSpPr>
+        <a:xfrm>
+          <a:off x="0" y="0"/>
+          <a:ext cx="0" cy="0"/>
+          <a:chOff x="0" y="0"/>
+          <a:chExt cx="0" cy="0"/>
+        </a:xfrm>
+      </p:grpSpPr>
+      <p:sp>
+        <p:nvSpPr>
+          <p:cNvPr id="2" name="Slide Image Placeholder 1"/>
+          <p:cNvSpPr>
+            <a:spLocks noGrp="1" noRot="1" noChangeAspect="1"/>
+          </p:cNvSpPr>
+          <p:nvPr>
+            <p:ph type="sldImg"/>
+          </p:nvPr>
+        </p:nvSpPr>
+        <p:spPr/>
+      </p:sp>
+      <p:sp>
+        <p:nvSpPr>
+          <p:cNvPr id="3" name="Notes Placeholder 2"/>
+          <p:cNvSpPr>
+            <a:spLocks noGrp="1"/>
+          </p:cNvSpPr>
+          <p:nvPr>
+            <p:ph type="body" idx="1"/>
+          </p:nvPr>
+        </p:nvSpPr>
+        <p:spPr/>
+        <p:txBody>
+          <a:bodyPr/>
+          <a:lstStyle/>
+          <a:p>
+            <a:endParaRPr lang="en-US" dirty="0"/>
+          </a:p>
+        </p:txBody>
+      </p:sp>
+      <p:sp>
+        <p:nvSpPr>
+          <p:cNvPr id="4" name="Slide Number Placeholder 3"/>
+          <p:cNvSpPr>
+            <a:spLocks noGrp="1"/>
+          </p:cNvSpPr>
+          <p:nvPr>
+            <p:ph type="sldNum" sz="quarter" idx="10"/>
+          </p:nvPr>
+        </p:nvSpPr>
+        <p:spPr/>
+        <p:txBody>
+          <a:bodyPr/>
+          <a:lstStyle/>
+          <a:p>
+            <a:pPr marL="0" marR="0" lvl="0" indent="0" algn="r" defTabSz="932742" rtl="0" eaLnBrk="1" fontAlgn="auto" latinLnBrk="0" hangingPunct="1">
+              <a:lnSpc>
+                <a:spcPct val="100000"/>
+              </a:lnSpc>
+              <a:spcBef>
+                <a:spcPts val="0"/>
+              </a:spcBef>
+              <a:spcAft>
+                <a:spcPts val="0"/>
+              </a:spcAft>
+              <a:buClrTx/>
+              <a:buSzTx/>
+              <a:buFontTx/>
+              <a:buNone/>
+              <a:tabLst/>
+              <a:defRPr/>
+            </a:pPr>
+            <a:fld id="{10E44CC6-8711-4A41-9BDA-EE169FB30B00}" type="slidenum">
+              <a:rPr kumimoji="0" lang="en-US" sz="1200" b="0" i="0" u="none" strike="noStrike" kern="1200" cap="none" spc="0" normalizeH="0" baseline="0" noProof="0" smtClean="0">
+                <a:ln>
+                  <a:noFill/>
+                </a:ln>
+                <a:solidFill>
+                  <a:prstClr val="black"/>
+                </a:solidFill>
+                <a:effectLst/>
+                <a:uLnTx/>
+                <a:uFillTx/>
+                <a:latin typeface="Segoe UI" pitchFamily="34" charset="0"/>
+                <a:ea typeface="+mn-ea"/>
+                <a:cs typeface="+mn-cs"/>
+              </a:rPr>
+              <a:pPr marL="0" marR="0" lvl="0" indent="0" algn="r" defTabSz="932742" rtl="0" eaLnBrk="1" fontAlgn="auto" latinLnBrk="0" hangingPunct="1">
+                <a:lnSpc>
+                  <a:spcPct val="100000"/>
+                </a:lnSpc>
+                <a:spcBef>
+                  <a:spcPts val="0"/>
+                </a:spcBef>
+                <a:spcAft>
+                  <a:spcPts val="0"/>
+                </a:spcAft>
+                <a:buClrTx/>
+                <a:buSzTx/>
+                <a:buFontTx/>
+                <a:buNone/>
+                <a:tabLst/>
+                <a:defRPr/>
+              </a:pPr>
+              <a:t>8</a:t>
+            </a:fld>
+            <a:endParaRPr kumimoji="0" lang="en-US" sz="1200" b="0" i="0" u="none" strike="noStrike" kern="1200" cap="none" spc="0" normalizeH="0" baseline="0" noProof="0">
+              <a:ln>
+                <a:noFill/>
+              </a:ln>
+              <a:solidFill>
+                <a:prstClr val="black"/>
+              </a:solidFill>
+              <a:effectLst/>
+              <a:uLnTx/>
+              <a:uFillTx/>
+              <a:latin typeface="Segoe UI" pitchFamily="34" charset="0"/>
+              <a:ea typeface="+mn-ea"/>
+              <a:cs typeface="+mn-cs"/>
+            </a:endParaRPr>
+          </a:p>
+        </p:txBody>
+      </p:sp>
+    </p:spTree>
+    <p:extLst>
+      <p:ext uri="{BB962C8B-B14F-4D97-AF65-F5344CB8AC3E}">
+        <p14:creationId xmlns:p14="http://schemas.microsoft.com/office/powerpoint/2010/main" val="1384277211"/>
+      </p:ext>
+    </p:extLst>
+  </p:cSld>
+  <p:clrMapOvr>
+    <a:masterClrMapping/>
+  </p:clrMapOvr>
+</p:notes>
+</file>
+
 <file path=ppt/slideLayouts/slideLayout1.xml><?xml version="1.0" encoding="utf-8"?>
 <p:sldLayout xmlns:a="http://schemas.openxmlformats.org/drawingml/2006/main" xmlns:r="http://schemas.openxmlformats.org/officeDocument/2006/relationships" xmlns:p="http://schemas.openxmlformats.org/presentationml/2006/main" type="title" preserve="1">
   <p:cSld name="Title Slide">
@@ -1900,7 +2045,7 @@
           <a:p>
             <a:fld id="{7A7DB218-54EA-4DB9-B47C-F7EDAE8D6F48}" type="datetimeFigureOut">
               <a:rPr lang="en-US" smtClean="0"/>
-              <a:t>4/20/2017</a:t>
+              <a:t>4/21/2017</a:t>
             </a:fld>
             <a:endParaRPr lang="en-US"/>
           </a:p>
@@ -2068,7 +2213,7 @@
           <a:p>
             <a:fld id="{7A7DB218-54EA-4DB9-B47C-F7EDAE8D6F48}" type="datetimeFigureOut">
               <a:rPr lang="en-US" smtClean="0"/>
-              <a:t>4/20/2017</a:t>
+              <a:t>4/21/2017</a:t>
             </a:fld>
             <a:endParaRPr lang="en-US"/>
           </a:p>
@@ -2246,7 +2391,7 @@
           <a:p>
             <a:fld id="{7A7DB218-54EA-4DB9-B47C-F7EDAE8D6F48}" type="datetimeFigureOut">
               <a:rPr lang="en-US" smtClean="0"/>
-              <a:t>4/20/2017</a:t>
+              <a:t>4/21/2017</a:t>
             </a:fld>
             <a:endParaRPr lang="en-US"/>
           </a:p>
@@ -4201,7 +4346,7 @@
           <a:p>
             <a:fld id="{7A7DB218-54EA-4DB9-B47C-F7EDAE8D6F48}" type="datetimeFigureOut">
               <a:rPr lang="en-US" smtClean="0"/>
-              <a:t>4/20/2017</a:t>
+              <a:t>4/21/2017</a:t>
             </a:fld>
             <a:endParaRPr lang="en-US"/>
           </a:p>
@@ -5989,7 +6134,7 @@
           <a:p>
             <a:fld id="{7A7DB218-54EA-4DB9-B47C-F7EDAE8D6F48}" type="datetimeFigureOut">
               <a:rPr lang="en-US" smtClean="0"/>
-              <a:t>4/20/2017</a:t>
+              <a:t>4/21/2017</a:t>
             </a:fld>
             <a:endParaRPr lang="en-US"/>
           </a:p>
@@ -8032,7 +8177,7 @@
           <a:p>
             <a:fld id="{7A7DB218-54EA-4DB9-B47C-F7EDAE8D6F48}" type="datetimeFigureOut">
               <a:rPr lang="en-US" smtClean="0"/>
-              <a:t>4/20/2017</a:t>
+              <a:t>4/21/2017</a:t>
             </a:fld>
             <a:endParaRPr lang="en-US"/>
           </a:p>
@@ -8343,7 +8488,7 @@
             <a:fld id="{683C0046-3368-4DD4-96D6-CD0FF2C1233E}" type="datetimeFigureOut">
               <a:rPr lang="en-IN" smtClean="0"/>
               <a:pPr/>
-              <a:t>20-04-2017</a:t>
+              <a:t>21-04-2017</a:t>
             </a:fld>
             <a:endParaRPr lang="en-IN" dirty="0"/>
           </a:p>
@@ -8831,7 +8976,7 @@
                 </a:solidFill>
               </a:rPr>
               <a:pPr/>
-              <a:t>20-04-2017</a:t>
+              <a:t>21-04-2017</a:t>
             </a:fld>
             <a:endParaRPr lang="en-IN" dirty="0">
               <a:solidFill>
@@ -9165,7 +9310,7 @@
                 </a:solidFill>
               </a:rPr>
               <a:pPr/>
-              <a:t>4/20/2017</a:t>
+              <a:t>4/21/2017</a:t>
             </a:fld>
             <a:endParaRPr lang="en-US" dirty="0">
               <a:solidFill>
@@ -9583,7 +9728,7 @@
           <a:p>
             <a:fld id="{7A7DB218-54EA-4DB9-B47C-F7EDAE8D6F48}" type="datetimeFigureOut">
               <a:rPr lang="en-US" smtClean="0"/>
-              <a:t>4/20/2017</a:t>
+              <a:t>4/21/2017</a:t>
             </a:fld>
             <a:endParaRPr lang="en-US"/>
           </a:p>
@@ -9700,7 +9845,7 @@
           <a:p>
             <a:fld id="{7A7DB218-54EA-4DB9-B47C-F7EDAE8D6F48}" type="datetimeFigureOut">
               <a:rPr lang="en-US" smtClean="0"/>
-              <a:t>4/20/2017</a:t>
+              <a:t>4/21/2017</a:t>
             </a:fld>
             <a:endParaRPr lang="en-US"/>
           </a:p>
@@ -9795,7 +9940,7 @@
           <a:p>
             <a:fld id="{7A7DB218-54EA-4DB9-B47C-F7EDAE8D6F48}" type="datetimeFigureOut">
               <a:rPr lang="en-US" smtClean="0"/>
-              <a:t>4/20/2017</a:t>
+              <a:t>4/21/2017</a:t>
             </a:fld>
             <a:endParaRPr lang="en-US"/>
           </a:p>
@@ -10070,7 +10215,7 @@
           <a:p>
             <a:fld id="{7A7DB218-54EA-4DB9-B47C-F7EDAE8D6F48}" type="datetimeFigureOut">
               <a:rPr lang="en-US" smtClean="0"/>
-              <a:t>4/20/2017</a:t>
+              <a:t>4/21/2017</a:t>
             </a:fld>
             <a:endParaRPr lang="en-US"/>
           </a:p>
@@ -10322,7 +10467,7 @@
           <a:p>
             <a:fld id="{7A7DB218-54EA-4DB9-B47C-F7EDAE8D6F48}" type="datetimeFigureOut">
               <a:rPr lang="en-US" smtClean="0"/>
-              <a:t>4/20/2017</a:t>
+              <a:t>4/21/2017</a:t>
             </a:fld>
             <a:endParaRPr lang="en-US"/>
           </a:p>
@@ -10533,7 +10678,7 @@
           <a:p>
             <a:fld id="{7A7DB218-54EA-4DB9-B47C-F7EDAE8D6F48}" type="datetimeFigureOut">
               <a:rPr lang="en-US" smtClean="0"/>
-              <a:t>4/20/2017</a:t>
+              <a:t>4/21/2017</a:t>
             </a:fld>
             <a:endParaRPr lang="en-US"/>
           </a:p>
@@ -12132,6 +12277,53 @@
   </p:clrMapOvr>
   <p:transition spd="med">
     <p:pull/>
+  </p:transition>
+</p:sld>
+</file>
+
+<file path=ppt/slides/slide10.xml><?xml version="1.0" encoding="utf-8"?>
+<p:sld xmlns:a="http://schemas.openxmlformats.org/drawingml/2006/main" xmlns:r="http://schemas.openxmlformats.org/officeDocument/2006/relationships" xmlns:p="http://schemas.openxmlformats.org/presentationml/2006/main">
+  <p:cSld>
+    <p:bg>
+      <p:bgPr>
+        <a:blipFill dpi="0" rotWithShape="1">
+          <a:blip r:embed="rId2">
+            <a:lum/>
+          </a:blip>
+          <a:srcRect/>
+          <a:stretch>
+            <a:fillRect/>
+          </a:stretch>
+        </a:blipFill>
+        <a:effectLst/>
+      </p:bgPr>
+    </p:bg>
+    <p:spTree>
+      <p:nvGrpSpPr>
+        <p:cNvPr id="1" name=""/>
+        <p:cNvGrpSpPr/>
+        <p:nvPr/>
+      </p:nvGrpSpPr>
+      <p:grpSpPr>
+        <a:xfrm>
+          <a:off x="0" y="0"/>
+          <a:ext cx="0" cy="0"/>
+          <a:chOff x="0" y="0"/>
+          <a:chExt cx="0" cy="0"/>
+        </a:xfrm>
+      </p:grpSpPr>
+    </p:spTree>
+    <p:extLst>
+      <p:ext uri="{BB962C8B-B14F-4D97-AF65-F5344CB8AC3E}">
+        <p14:creationId xmlns:p14="http://schemas.microsoft.com/office/powerpoint/2010/main" val="488185768"/>
+      </p:ext>
+    </p:extLst>
+  </p:cSld>
+  <p:clrMapOvr>
+    <a:masterClrMapping/>
+  </p:clrMapOvr>
+  <p:transition>
+    <p:fade/>
   </p:transition>
 </p:sld>
 </file>
@@ -15170,11 +15362,14 @@
               <a:buFont typeface="Arial" panose="020B0604020202020204" pitchFamily="34" charset="0"/>
               <a:buChar char="•"/>
             </a:pPr>
-            <a:endParaRPr lang="en-US" dirty="0">
-              <a:solidFill>
-                <a:schemeClr val="tx1"/>
-              </a:solidFill>
-            </a:endParaRPr>
+            <a:r>
+              <a:rPr lang="en-US" dirty="0">
+                <a:solidFill>
+                  <a:schemeClr val="tx1"/>
+                </a:solidFill>
+              </a:rPr>
+              <a:t>Respond to a tweet</a:t>
+            </a:r>
           </a:p>
         </p:txBody>
       </p:sp>
@@ -15192,6 +15387,58 @@
 </file>
 
 <file path=ppt/slides/slide8.xml><?xml version="1.0" encoding="utf-8"?>
+<p:sld xmlns:a="http://schemas.openxmlformats.org/drawingml/2006/main" xmlns:r="http://schemas.openxmlformats.org/officeDocument/2006/relationships" xmlns:p="http://schemas.openxmlformats.org/presentationml/2006/main">
+  <p:cSld>
+    <p:spTree>
+      <p:nvGrpSpPr>
+        <p:cNvPr id="1" name=""/>
+        <p:cNvGrpSpPr/>
+        <p:nvPr/>
+      </p:nvGrpSpPr>
+      <p:grpSpPr>
+        <a:xfrm>
+          <a:off x="0" y="0"/>
+          <a:ext cx="0" cy="0"/>
+          <a:chOff x="0" y="0"/>
+          <a:chExt cx="0" cy="0"/>
+        </a:xfrm>
+      </p:grpSpPr>
+      <p:sp>
+        <p:nvSpPr>
+          <p:cNvPr id="2" name="Title 1"/>
+          <p:cNvSpPr>
+            <a:spLocks noGrp="1"/>
+          </p:cNvSpPr>
+          <p:nvPr>
+            <p:ph type="ctrTitle"/>
+          </p:nvPr>
+        </p:nvSpPr>
+        <p:spPr/>
+        <p:txBody>
+          <a:bodyPr/>
+          <a:lstStyle/>
+          <a:p>
+            <a:r>
+              <a:rPr lang="en-US" dirty="0"/>
+              <a:t>Developing Logic Apps with Visual Studio</a:t>
+            </a:r>
+          </a:p>
+        </p:txBody>
+      </p:sp>
+    </p:spTree>
+    <p:extLst>
+      <p:ext uri="{BB962C8B-B14F-4D97-AF65-F5344CB8AC3E}">
+        <p14:creationId xmlns:p14="http://schemas.microsoft.com/office/powerpoint/2010/main" val="4108438979"/>
+      </p:ext>
+    </p:extLst>
+  </p:cSld>
+  <p:clrMapOvr>
+    <a:masterClrMapping/>
+  </p:clrMapOvr>
+</p:sld>
+</file>
+
+<file path=ppt/slides/slide9.xml><?xml version="1.0" encoding="utf-8"?>
 <p:sld xmlns:a="http://schemas.openxmlformats.org/drawingml/2006/main" xmlns:r="http://schemas.openxmlformats.org/officeDocument/2006/relationships" xmlns:p="http://schemas.openxmlformats.org/presentationml/2006/main">
   <p:cSld>
     <p:spTree>
@@ -15340,53 +15587,6 @@
     <p:extLst>
       <p:ext uri="{BB962C8B-B14F-4D97-AF65-F5344CB8AC3E}">
         <p14:creationId xmlns:p14="http://schemas.microsoft.com/office/powerpoint/2010/main" val="3982474841"/>
-      </p:ext>
-    </p:extLst>
-  </p:cSld>
-  <p:clrMapOvr>
-    <a:masterClrMapping/>
-  </p:clrMapOvr>
-  <p:transition>
-    <p:fade/>
-  </p:transition>
-</p:sld>
-</file>
-
-<file path=ppt/slides/slide9.xml><?xml version="1.0" encoding="utf-8"?>
-<p:sld xmlns:a="http://schemas.openxmlformats.org/drawingml/2006/main" xmlns:r="http://schemas.openxmlformats.org/officeDocument/2006/relationships" xmlns:p="http://schemas.openxmlformats.org/presentationml/2006/main">
-  <p:cSld>
-    <p:bg>
-      <p:bgPr>
-        <a:blipFill dpi="0" rotWithShape="1">
-          <a:blip r:embed="rId2">
-            <a:lum/>
-          </a:blip>
-          <a:srcRect/>
-          <a:stretch>
-            <a:fillRect/>
-          </a:stretch>
-        </a:blipFill>
-        <a:effectLst/>
-      </p:bgPr>
-    </p:bg>
-    <p:spTree>
-      <p:nvGrpSpPr>
-        <p:cNvPr id="1" name=""/>
-        <p:cNvGrpSpPr/>
-        <p:nvPr/>
-      </p:nvGrpSpPr>
-      <p:grpSpPr>
-        <a:xfrm>
-          <a:off x="0" y="0"/>
-          <a:ext cx="0" cy="0"/>
-          <a:chOff x="0" y="0"/>
-          <a:chExt cx="0" cy="0"/>
-        </a:xfrm>
-      </p:grpSpPr>
-    </p:spTree>
-    <p:extLst>
-      <p:ext uri="{BB962C8B-B14F-4D97-AF65-F5344CB8AC3E}">
-        <p14:creationId xmlns:p14="http://schemas.microsoft.com/office/powerpoint/2010/main" val="488185768"/>
       </p:ext>
     </p:extLst>
   </p:cSld>
